--- a/core/resources/presentation/presentation_template.pptx
+++ b/core/resources/presentation/presentation_template.pptx
@@ -7,12 +7,12 @@
   <p:sldIdLst>
     <p:sldId id="256" r:id="rId2"/>
     <p:sldId id="257" r:id="rId3"/>
-    <p:sldId id="267" r:id="rId4"/>
+    <p:sldId id="270" r:id="rId4"/>
     <p:sldId id="259" r:id="rId5"/>
-    <p:sldId id="266" r:id="rId6"/>
-    <p:sldId id="264" r:id="rId7"/>
-    <p:sldId id="265" r:id="rId8"/>
-    <p:sldId id="263" r:id="rId9"/>
+    <p:sldId id="272" r:id="rId6"/>
+    <p:sldId id="273" r:id="rId7"/>
+    <p:sldId id="274" r:id="rId8"/>
+    <p:sldId id="271" r:id="rId9"/>
   </p:sldIdLst>
   <p:sldSz cx="12192000" cy="6858000"/>
   <p:notesSz cx="6858000" cy="9144000"/>
@@ -703,7 +703,7 @@
           <a:p>
             <a:fld id="{47E6CBC9-41C6-4120-A737-123E6446988E}" type="datetimeFigureOut">
               <a:rPr lang="en-US" smtClean="0"/>
-              <a:t>16-Feb-24</a:t>
+              <a:t>19-Feb-24</a:t>
             </a:fld>
             <a:endParaRPr lang="en-US"/>
           </a:p>
@@ -913,7 +913,7 @@
           <a:p>
             <a:fld id="{47E6CBC9-41C6-4120-A737-123E6446988E}" type="datetimeFigureOut">
               <a:rPr lang="en-US" smtClean="0"/>
-              <a:t>16-Feb-24</a:t>
+              <a:t>19-Feb-24</a:t>
             </a:fld>
             <a:endParaRPr lang="en-US"/>
           </a:p>
@@ -1191,8 +1191,8 @@
         </p:nvSpPr>
         <p:spPr>
           <a:xfrm>
-            <a:off x="241300" y="380711"/>
-            <a:ext cx="6924270" cy="6089904"/>
+            <a:off x="256032" y="914400"/>
+            <a:ext cx="7187184" cy="5029200"/>
           </a:xfrm>
           <a:solidFill>
             <a:schemeClr val="bg2">
@@ -1250,8 +1250,8 @@
         </p:nvSpPr>
         <p:spPr>
           <a:xfrm>
-            <a:off x="7165570" y="388938"/>
-            <a:ext cx="4785129" cy="3040062"/>
+            <a:off x="7543800" y="347472"/>
+            <a:ext cx="4389120" cy="3072384"/>
           </a:xfrm>
           <a:solidFill>
             <a:schemeClr val="bg2">
@@ -1299,8 +1299,8 @@
         </p:nvSpPr>
         <p:spPr>
           <a:xfrm>
-            <a:off x="7165571" y="3429000"/>
-            <a:ext cx="4785129" cy="3040063"/>
+            <a:off x="7543800" y="3428999"/>
+            <a:ext cx="4389120" cy="3072384"/>
           </a:xfrm>
           <a:solidFill>
             <a:schemeClr val="bg2">
@@ -1690,42 +1690,6 @@
           </a:p>
         </p:txBody>
       </p:sp>
-      <p:pic>
-        <p:nvPicPr>
-          <p:cNvPr id="13" name="Imagem 12">
-            <a:extLst>
-              <a:ext uri="{FF2B5EF4-FFF2-40B4-BE49-F238E27FC236}">
-                <a16:creationId xmlns:a16="http://schemas.microsoft.com/office/drawing/2014/main" id="{B489E7C4-39AC-E32D-A4D9-B173138A7D2F}"/>
-              </a:ext>
-            </a:extLst>
-          </p:cNvPr>
-          <p:cNvPicPr>
-            <a:picLocks noChangeAspect="1"/>
-          </p:cNvPicPr>
-          <p:nvPr userDrawn="1"/>
-        </p:nvPicPr>
-        <p:blipFill>
-          <a:blip r:embed="rId2" cstate="hqprint">
-            <a:extLst>
-              <a:ext uri="{28A0092B-C50C-407E-A947-70E740481C1C}">
-                <a14:useLocalDpi xmlns:a14="http://schemas.microsoft.com/office/drawing/2010/main" val="0"/>
-              </a:ext>
-            </a:extLst>
-          </a:blip>
-          <a:stretch>
-            <a:fillRect/>
-          </a:stretch>
-        </p:blipFill>
-        <p:spPr>
-          <a:xfrm>
-            <a:off x="11528718" y="5999444"/>
-            <a:ext cx="607780" cy="607780"/>
-          </a:xfrm>
-          <a:prstGeom prst="rect">
-            <a:avLst/>
-          </a:prstGeom>
-        </p:spPr>
-      </p:pic>
       <p:sp>
         <p:nvSpPr>
           <p:cNvPr id="15" name="Espaço Reservado para Imagem 14">
@@ -1744,8 +1708,8 @@
         </p:nvSpPr>
         <p:spPr>
           <a:xfrm>
-            <a:off x="184150" y="1855788"/>
-            <a:ext cx="3852863" cy="4143375"/>
+            <a:off x="184150" y="1855787"/>
+            <a:ext cx="3840480" cy="4572000"/>
           </a:xfrm>
           <a:solidFill>
             <a:schemeClr val="bg2">
@@ -1803,8 +1767,8 @@
         </p:nvSpPr>
         <p:spPr>
           <a:xfrm>
-            <a:off x="4173476" y="1854874"/>
-            <a:ext cx="3852863" cy="4143375"/>
+            <a:off x="4173476" y="1854873"/>
+            <a:ext cx="3840480" cy="4572000"/>
           </a:xfrm>
           <a:solidFill>
             <a:schemeClr val="bg2">
@@ -1862,8 +1826,8 @@
         </p:nvSpPr>
         <p:spPr>
           <a:xfrm>
-            <a:off x="8154987" y="1854874"/>
-            <a:ext cx="3852863" cy="4143375"/>
+            <a:off x="8154987" y="1854873"/>
+            <a:ext cx="3840480" cy="4572000"/>
           </a:xfrm>
           <a:solidFill>
             <a:schemeClr val="bg2">
@@ -2916,8 +2880,8 @@
         </p:nvSpPr>
         <p:spPr>
           <a:xfrm>
-            <a:off x="138054" y="3830363"/>
-            <a:ext cx="3913632" cy="2743200"/>
+            <a:off x="192024" y="3776472"/>
+            <a:ext cx="3803904" cy="2852928"/>
           </a:xfrm>
           <a:solidFill>
             <a:schemeClr val="bg2">
@@ -2964,8 +2928,8 @@
         </p:nvSpPr>
         <p:spPr>
           <a:xfrm>
-            <a:off x="4139184" y="3830363"/>
-            <a:ext cx="3913632" cy="2743200"/>
+            <a:off x="4197096" y="3776472"/>
+            <a:ext cx="3803904" cy="2852928"/>
           </a:xfrm>
           <a:solidFill>
             <a:schemeClr val="bg2">
@@ -3016,8 +2980,8 @@
         </p:nvSpPr>
         <p:spPr>
           <a:xfrm>
-            <a:off x="8140314" y="3830363"/>
-            <a:ext cx="3913632" cy="2743200"/>
+            <a:off x="8193024" y="3776472"/>
+            <a:ext cx="3803904" cy="2852928"/>
           </a:xfrm>
           <a:solidFill>
             <a:schemeClr val="bg2">
@@ -3161,7 +3125,7 @@
           <a:lstStyle>
             <a:lvl1pPr marL="0" indent="0" algn="ctr">
               <a:buNone/>
-              <a:defRPr sz="2000" b="1">
+              <a:defRPr sz="1800" b="1">
                 <a:latin typeface="+mj-lt"/>
               </a:defRPr>
             </a:lvl1pPr>
@@ -3237,7 +3201,7 @@
           <a:lstStyle>
             <a:lvl1pPr marL="0" indent="0" algn="ctr">
               <a:buNone/>
-              <a:defRPr sz="2000" b="1">
+              <a:defRPr sz="1800" b="1">
                 <a:latin typeface="+mj-lt"/>
               </a:defRPr>
             </a:lvl1pPr>
@@ -3305,7 +3269,7 @@
           <a:lstStyle>
             <a:lvl1pPr marL="0" indent="0" algn="ctr">
               <a:buNone/>
-              <a:defRPr sz="2000" b="1">
+              <a:defRPr sz="1800" b="1">
                 <a:latin typeface="+mj-lt"/>
               </a:defRPr>
             </a:lvl1pPr>
@@ -3618,8 +3582,8 @@
         </p:nvSpPr>
         <p:spPr>
           <a:xfrm>
-            <a:off x="166688" y="314325"/>
-            <a:ext cx="5929312" cy="3719513"/>
+            <a:off x="228600" y="265176"/>
+            <a:ext cx="5614416" cy="3931920"/>
           </a:xfrm>
           <a:solidFill>
             <a:schemeClr val="bg2">
@@ -3666,8 +3630,8 @@
         </p:nvSpPr>
         <p:spPr>
           <a:xfrm>
-            <a:off x="6105236" y="311278"/>
-            <a:ext cx="5929312" cy="3719513"/>
+            <a:off x="6373368" y="265176"/>
+            <a:ext cx="5614416" cy="3931920"/>
           </a:xfrm>
           <a:solidFill>
             <a:schemeClr val="bg2">
@@ -3714,8 +3678,8 @@
         </p:nvSpPr>
         <p:spPr>
           <a:xfrm>
-            <a:off x="8480429" y="4334164"/>
-            <a:ext cx="3573460" cy="2220913"/>
+            <a:off x="8184870" y="4005072"/>
+            <a:ext cx="3511296" cy="2633472"/>
           </a:xfrm>
           <a:solidFill>
             <a:schemeClr val="bg2">
@@ -3762,8 +3726,8 @@
         </p:nvSpPr>
         <p:spPr>
           <a:xfrm>
-            <a:off x="166688" y="4122738"/>
-            <a:ext cx="3619500" cy="2438400"/>
+            <a:off x="530352" y="4251960"/>
+            <a:ext cx="5760720" cy="2395728"/>
           </a:xfrm>
           <a:solidFill>
             <a:schemeClr val="bg2">
@@ -3794,54 +3758,6 @@
       </p:sp>
       <p:sp>
         <p:nvSpPr>
-          <p:cNvPr id="19" name="Espaço Reservado para Imagem 18">
-            <a:extLst>
-              <a:ext uri="{FF2B5EF4-FFF2-40B4-BE49-F238E27FC236}">
-                <a16:creationId xmlns:a16="http://schemas.microsoft.com/office/drawing/2014/main" id="{7C5A9ADA-459A-7ED1-E289-09051FC69ACD}"/>
-              </a:ext>
-            </a:extLst>
-          </p:cNvPr>
-          <p:cNvSpPr>
-            <a:spLocks noGrp="1"/>
-          </p:cNvSpPr>
-          <p:nvPr>
-            <p:ph type="pic" sz="quarter" idx="14" hasCustomPrompt="1"/>
-          </p:nvPr>
-        </p:nvSpPr>
-        <p:spPr>
-          <a:xfrm>
-            <a:off x="3860802" y="4122596"/>
-            <a:ext cx="4545012" cy="2424112"/>
-          </a:xfrm>
-          <a:solidFill>
-            <a:schemeClr val="bg2">
-              <a:lumMod val="90000"/>
-            </a:schemeClr>
-          </a:solidFill>
-        </p:spPr>
-        <p:txBody>
-          <a:bodyPr anchor="ctr"/>
-          <a:lstStyle>
-            <a:lvl1pPr marL="0" indent="0" algn="ctr">
-              <a:buNone/>
-              <a:defRPr>
-                <a:solidFill>
-                  <a:schemeClr val="bg1"/>
-                </a:solidFill>
-                <a:latin typeface="+mj-lt"/>
-              </a:defRPr>
-            </a:lvl1pPr>
-          </a:lstStyle>
-          <a:p>
-            <a:r>
-              <a:rPr lang="en-US" dirty="0"/>
-              <a:t>HISTOGRAM</a:t>
-            </a:r>
-          </a:p>
-        </p:txBody>
-      </p:sp>
-      <p:sp>
-        <p:nvSpPr>
           <p:cNvPr id="3" name="Espaço Reservado para Texto 2">
             <a:extLst>
               <a:ext uri="{FF2B5EF4-FFF2-40B4-BE49-F238E27FC236}">
@@ -3858,7 +3774,7 @@
         </p:nvSpPr>
         <p:spPr>
           <a:xfrm>
-            <a:off x="8480425" y="4030663"/>
+            <a:off x="5065776" y="4407408"/>
             <a:ext cx="3563938" cy="301625"/>
           </a:xfrm>
         </p:spPr>
@@ -4179,8 +4095,8 @@
         </p:nvSpPr>
         <p:spPr>
           <a:xfrm>
-            <a:off x="147639" y="471488"/>
-            <a:ext cx="7278398" cy="6011862"/>
+            <a:off x="147639" y="914400"/>
+            <a:ext cx="7196328" cy="5029200"/>
           </a:xfrm>
           <a:solidFill>
             <a:schemeClr val="bg2">
@@ -4275,8 +4191,8 @@
         </p:nvSpPr>
         <p:spPr>
           <a:xfrm>
-            <a:off x="7516368" y="4054475"/>
-            <a:ext cx="2281238" cy="2428875"/>
+            <a:off x="7516368" y="4054474"/>
+            <a:ext cx="4572000" cy="2468880"/>
           </a:xfrm>
           <a:solidFill>
             <a:schemeClr val="bg2">
@@ -4301,54 +4217,6 @@
             <a:r>
               <a:rPr lang="en-US" dirty="0"/>
               <a:t>STATISTICS</a:t>
-            </a:r>
-          </a:p>
-        </p:txBody>
-      </p:sp>
-      <p:sp>
-        <p:nvSpPr>
-          <p:cNvPr id="16" name="Espaço Reservado para Imagem 15">
-            <a:extLst>
-              <a:ext uri="{FF2B5EF4-FFF2-40B4-BE49-F238E27FC236}">
-                <a16:creationId xmlns:a16="http://schemas.microsoft.com/office/drawing/2014/main" id="{1610572B-D9F2-7B0C-57C5-973E84FCBB1B}"/>
-              </a:ext>
-            </a:extLst>
-          </p:cNvPr>
-          <p:cNvSpPr>
-            <a:spLocks noGrp="1"/>
-          </p:cNvSpPr>
-          <p:nvPr>
-            <p:ph type="pic" sz="quarter" idx="13" hasCustomPrompt="1"/>
-          </p:nvPr>
-        </p:nvSpPr>
-        <p:spPr>
-          <a:xfrm>
-            <a:off x="9891135" y="4051300"/>
-            <a:ext cx="2171700" cy="2428875"/>
-          </a:xfrm>
-          <a:solidFill>
-            <a:schemeClr val="bg2">
-              <a:lumMod val="90000"/>
-            </a:schemeClr>
-          </a:solidFill>
-        </p:spPr>
-        <p:txBody>
-          <a:bodyPr anchor="ctr"/>
-          <a:lstStyle>
-            <a:lvl1pPr marL="0" indent="0" algn="ctr">
-              <a:buNone/>
-              <a:defRPr>
-                <a:solidFill>
-                  <a:schemeClr val="bg1"/>
-                </a:solidFill>
-                <a:latin typeface="+mj-lt"/>
-              </a:defRPr>
-            </a:lvl1pPr>
-          </a:lstStyle>
-          <a:p>
-            <a:r>
-              <a:rPr lang="en-US" dirty="0"/>
-              <a:t>ANOVA</a:t>
             </a:r>
           </a:p>
         </p:txBody>
@@ -4606,7 +4474,7 @@
           <a:p>
             <a:fld id="{47E6CBC9-41C6-4120-A737-123E6446988E}" type="datetimeFigureOut">
               <a:rPr lang="en-US" smtClean="0"/>
-              <a:t>16-Feb-24</a:t>
+              <a:t>19-Feb-24</a:t>
             </a:fld>
             <a:endParaRPr lang="en-US"/>
           </a:p>
@@ -4895,7 +4763,7 @@
           <a:p>
             <a:fld id="{47E6CBC9-41C6-4120-A737-123E6446988E}" type="datetimeFigureOut">
               <a:rPr lang="en-US" smtClean="0"/>
-              <a:t>16-Feb-24</a:t>
+              <a:t>19-Feb-24</a:t>
             </a:fld>
             <a:endParaRPr lang="en-US"/>
           </a:p>
@@ -5138,7 +5006,7 @@
           <a:p>
             <a:fld id="{47E6CBC9-41C6-4120-A737-123E6446988E}" type="datetimeFigureOut">
               <a:rPr lang="en-US" smtClean="0"/>
-              <a:t>16-Feb-24</a:t>
+              <a:t>19-Feb-24</a:t>
             </a:fld>
             <a:endParaRPr lang="en-US"/>
           </a:p>
@@ -5746,7 +5614,7 @@
           <p:cNvPr id="2" name="Título 1">
             <a:extLst>
               <a:ext uri="{FF2B5EF4-FFF2-40B4-BE49-F238E27FC236}">
-                <a16:creationId xmlns:a16="http://schemas.microsoft.com/office/drawing/2014/main" id="{C5B9A769-69E8-0A9A-D4CA-0A7C3AE975B7}"/>
+                <a16:creationId xmlns:a16="http://schemas.microsoft.com/office/drawing/2014/main" id="{911FDB8F-2319-5E89-5418-C27F784804C3}"/>
               </a:ext>
             </a:extLst>
           </p:cNvPr>
@@ -5759,15 +5627,14 @@
         </p:nvSpPr>
         <p:spPr/>
         <p:txBody>
-          <a:bodyPr>
-            <a:normAutofit/>
-          </a:bodyPr>
+          <a:bodyPr/>
           <a:lstStyle/>
           <a:p>
             <a:r>
-              <a:rPr lang="en-US" sz="3600" b="1" dirty="0"/>
+              <a:rPr lang="en-US" sz="4400" b="1" dirty="0"/>
               <a:t>Analysis</a:t>
             </a:r>
+            <a:endParaRPr lang="en-US" dirty="0"/>
           </a:p>
         </p:txBody>
       </p:sp>
@@ -5776,7 +5643,7 @@
           <p:cNvPr id="3" name="Espaço Reservado para Imagem 2">
             <a:extLst>
               <a:ext uri="{FF2B5EF4-FFF2-40B4-BE49-F238E27FC236}">
-                <a16:creationId xmlns:a16="http://schemas.microsoft.com/office/drawing/2014/main" id="{AF39460D-D9DD-4AB2-F8D9-F9B4A82B2F9E}"/>
+                <a16:creationId xmlns:a16="http://schemas.microsoft.com/office/drawing/2014/main" id="{898B1193-BC0D-8B8F-8C1F-E079C5CAA787}"/>
               </a:ext>
             </a:extLst>
           </p:cNvPr>
@@ -5794,7 +5661,7 @@
           <p:cNvPr id="4" name="Espaço Reservado para Imagem 3">
             <a:extLst>
               <a:ext uri="{FF2B5EF4-FFF2-40B4-BE49-F238E27FC236}">
-                <a16:creationId xmlns:a16="http://schemas.microsoft.com/office/drawing/2014/main" id="{882A0AF1-BAF3-BA0B-B469-49BEC156B9EE}"/>
+                <a16:creationId xmlns:a16="http://schemas.microsoft.com/office/drawing/2014/main" id="{A8157F8C-9E89-4390-A749-58C28B5F0AFB}"/>
               </a:ext>
             </a:extLst>
           </p:cNvPr>
@@ -5812,7 +5679,7 @@
           <p:cNvPr id="5" name="Espaço Reservado para Imagem 4">
             <a:extLst>
               <a:ext uri="{FF2B5EF4-FFF2-40B4-BE49-F238E27FC236}">
-                <a16:creationId xmlns:a16="http://schemas.microsoft.com/office/drawing/2014/main" id="{FBEDE56D-2B86-51B9-821C-F9E96897B930}"/>
+                <a16:creationId xmlns:a16="http://schemas.microsoft.com/office/drawing/2014/main" id="{544E1AFB-B895-79F8-85F4-67E34A35D101}"/>
               </a:ext>
             </a:extLst>
           </p:cNvPr>
@@ -5830,7 +5697,7 @@
           <p:cNvPr id="6" name="Espaço Reservado para Conteúdo 5">
             <a:extLst>
               <a:ext uri="{FF2B5EF4-FFF2-40B4-BE49-F238E27FC236}">
-                <a16:creationId xmlns:a16="http://schemas.microsoft.com/office/drawing/2014/main" id="{571579FF-1EC3-A152-DDF9-8DCFCD5A956C}"/>
+                <a16:creationId xmlns:a16="http://schemas.microsoft.com/office/drawing/2014/main" id="{F802CBA9-B0C0-C994-2D0D-948BBB309C32}"/>
               </a:ext>
             </a:extLst>
           </p:cNvPr>
@@ -5841,12 +5708,7 @@
             <p:ph sz="quarter" idx="13"/>
           </p:nvPr>
         </p:nvSpPr>
-        <p:spPr>
-          <a:xfrm>
-            <a:off x="0" y="1063407"/>
-            <a:ext cx="12192000" cy="490537"/>
-          </a:xfrm>
-        </p:spPr>
+        <p:spPr/>
         <p:txBody>
           <a:bodyPr>
             <a:normAutofit lnSpcReduction="10000"/>
@@ -5865,7 +5727,7 @@
     </p:spTree>
     <p:extLst>
       <p:ext uri="{BB962C8B-B14F-4D97-AF65-F5344CB8AC3E}">
-        <p14:creationId xmlns:p14="http://schemas.microsoft.com/office/powerpoint/2010/main" val="283935507"/>
+        <p14:creationId xmlns:p14="http://schemas.microsoft.com/office/powerpoint/2010/main" val="4060984851"/>
       </p:ext>
     </p:extLst>
   </p:cSld>
@@ -5961,7 +5823,7 @@
           <p:cNvPr id="2" name="Espaço Reservado para Imagem 1">
             <a:extLst>
               <a:ext uri="{FF2B5EF4-FFF2-40B4-BE49-F238E27FC236}">
-                <a16:creationId xmlns:a16="http://schemas.microsoft.com/office/drawing/2014/main" id="{C01BE90D-75BE-5263-F195-4AF24800FBD4}"/>
+                <a16:creationId xmlns:a16="http://schemas.microsoft.com/office/drawing/2014/main" id="{3E39C184-ABC9-6973-A2DA-F8E43DCA6901}"/>
               </a:ext>
             </a:extLst>
           </p:cNvPr>
@@ -5979,7 +5841,7 @@
           <p:cNvPr id="3" name="Espaço Reservado para Imagem 2">
             <a:extLst>
               <a:ext uri="{FF2B5EF4-FFF2-40B4-BE49-F238E27FC236}">
-                <a16:creationId xmlns:a16="http://schemas.microsoft.com/office/drawing/2014/main" id="{225AF04B-28F2-B0DD-71E4-C9C855A124E3}"/>
+                <a16:creationId xmlns:a16="http://schemas.microsoft.com/office/drawing/2014/main" id="{E642EA63-16A8-7088-885F-868252E92D90}"/>
               </a:ext>
             </a:extLst>
           </p:cNvPr>
@@ -5997,7 +5859,7 @@
           <p:cNvPr id="4" name="Espaço Reservado para Imagem 3">
             <a:extLst>
               <a:ext uri="{FF2B5EF4-FFF2-40B4-BE49-F238E27FC236}">
-                <a16:creationId xmlns:a16="http://schemas.microsoft.com/office/drawing/2014/main" id="{88D1E418-56B1-0549-4BC3-15AA126B1D14}"/>
+                <a16:creationId xmlns:a16="http://schemas.microsoft.com/office/drawing/2014/main" id="{C6E97348-842E-5DAF-F140-6A8A22C281A5}"/>
               </a:ext>
             </a:extLst>
           </p:cNvPr>
@@ -6015,7 +5877,7 @@
           <p:cNvPr id="5" name="Espaço Reservado para Imagem 4">
             <a:extLst>
               <a:ext uri="{FF2B5EF4-FFF2-40B4-BE49-F238E27FC236}">
-                <a16:creationId xmlns:a16="http://schemas.microsoft.com/office/drawing/2014/main" id="{D72CA4EB-F73D-114C-60BD-954E1CD9F929}"/>
+                <a16:creationId xmlns:a16="http://schemas.microsoft.com/office/drawing/2014/main" id="{A4EC325A-2107-A3F1-0463-1ADC25DB456B}"/>
               </a:ext>
             </a:extLst>
           </p:cNvPr>
@@ -6033,7 +5895,7 @@
           <p:cNvPr id="6" name="Espaço Reservado para Imagem 5">
             <a:extLst>
               <a:ext uri="{FF2B5EF4-FFF2-40B4-BE49-F238E27FC236}">
-                <a16:creationId xmlns:a16="http://schemas.microsoft.com/office/drawing/2014/main" id="{3A78F1BD-0F9C-28EC-CC61-BDE7A1508B27}"/>
+                <a16:creationId xmlns:a16="http://schemas.microsoft.com/office/drawing/2014/main" id="{D346445E-AA41-D237-D030-07DB8B8882A0}"/>
               </a:ext>
             </a:extLst>
           </p:cNvPr>
@@ -6051,7 +5913,7 @@
           <p:cNvPr id="7" name="Espaço Reservado para Imagem 6">
             <a:extLst>
               <a:ext uri="{FF2B5EF4-FFF2-40B4-BE49-F238E27FC236}">
-                <a16:creationId xmlns:a16="http://schemas.microsoft.com/office/drawing/2014/main" id="{BE6D7B01-2AD4-DD99-8A15-BF691BB8D00A}"/>
+                <a16:creationId xmlns:a16="http://schemas.microsoft.com/office/drawing/2014/main" id="{BB12372A-A26C-ACEA-53A6-44A734D86770}"/>
               </a:ext>
             </a:extLst>
           </p:cNvPr>
@@ -6069,7 +5931,7 @@
           <p:cNvPr id="8" name="Espaço Reservado para Texto 7">
             <a:extLst>
               <a:ext uri="{FF2B5EF4-FFF2-40B4-BE49-F238E27FC236}">
-                <a16:creationId xmlns:a16="http://schemas.microsoft.com/office/drawing/2014/main" id="{ADC49E98-1C9F-4E93-B4BE-BABAFF803480}"/>
+                <a16:creationId xmlns:a16="http://schemas.microsoft.com/office/drawing/2014/main" id="{F7F09B5B-EDE5-A02F-F236-ADD59C560ED9}"/>
               </a:ext>
             </a:extLst>
           </p:cNvPr>
@@ -6097,7 +5959,7 @@
           <p:cNvPr id="9" name="Espaço Reservado para Texto 8">
             <a:extLst>
               <a:ext uri="{FF2B5EF4-FFF2-40B4-BE49-F238E27FC236}">
-                <a16:creationId xmlns:a16="http://schemas.microsoft.com/office/drawing/2014/main" id="{A7F9F514-EFE7-A1EC-CC9A-8BFD41F813C1}"/>
+                <a16:creationId xmlns:a16="http://schemas.microsoft.com/office/drawing/2014/main" id="{0B5BA27F-3D79-9C37-F0F9-126DB494E3FC}"/>
               </a:ext>
             </a:extLst>
           </p:cNvPr>
@@ -6114,7 +5976,7 @@
           <a:lstStyle/>
           <a:p>
             <a:r>
-              <a:rPr lang="en-US" dirty="0"/>
+              <a:rPr lang="en-US" sz="1800" dirty="0"/>
               <a:t>T1 and T2</a:t>
             </a:r>
           </a:p>
@@ -6125,7 +5987,7 @@
           <p:cNvPr id="10" name="Espaço Reservado para Texto 9">
             <a:extLst>
               <a:ext uri="{FF2B5EF4-FFF2-40B4-BE49-F238E27FC236}">
-                <a16:creationId xmlns:a16="http://schemas.microsoft.com/office/drawing/2014/main" id="{7B676B85-5D84-88E6-1360-6B650F565B4C}"/>
+                <a16:creationId xmlns:a16="http://schemas.microsoft.com/office/drawing/2014/main" id="{800F78C8-2B4F-08F8-7841-4FF3A6996F4E}"/>
               </a:ext>
             </a:extLst>
           </p:cNvPr>
@@ -6142,7 +6004,7 @@
           <a:lstStyle/>
           <a:p>
             <a:r>
-              <a:rPr lang="en-US" dirty="0"/>
+              <a:rPr lang="en-US" sz="1800" dirty="0"/>
               <a:t>T1</a:t>
             </a:r>
           </a:p>
@@ -6153,7 +6015,7 @@
           <p:cNvPr id="11" name="Espaço Reservado para Texto 10">
             <a:extLst>
               <a:ext uri="{FF2B5EF4-FFF2-40B4-BE49-F238E27FC236}">
-                <a16:creationId xmlns:a16="http://schemas.microsoft.com/office/drawing/2014/main" id="{80222E0D-BAB8-2499-2379-D07E0B4C1703}"/>
+                <a16:creationId xmlns:a16="http://schemas.microsoft.com/office/drawing/2014/main" id="{C3212C82-AE3A-C72A-9653-4186FD37545B}"/>
               </a:ext>
             </a:extLst>
           </p:cNvPr>
@@ -6170,7 +6032,7 @@
           <a:lstStyle/>
           <a:p>
             <a:r>
-              <a:rPr lang="en-US" dirty="0"/>
+              <a:rPr lang="en-US" sz="1800" dirty="0"/>
               <a:t>T2</a:t>
             </a:r>
           </a:p>
@@ -6179,7 +6041,7 @@
     </p:spTree>
     <p:extLst>
       <p:ext uri="{BB962C8B-B14F-4D97-AF65-F5344CB8AC3E}">
-        <p14:creationId xmlns:p14="http://schemas.microsoft.com/office/powerpoint/2010/main" val="836113278"/>
+        <p14:creationId xmlns:p14="http://schemas.microsoft.com/office/powerpoint/2010/main" val="934474209"/>
       </p:ext>
     </p:extLst>
   </p:cSld>
@@ -6211,7 +6073,7 @@
           <p:cNvPr id="2" name="Espaço Reservado para Imagem 1">
             <a:extLst>
               <a:ext uri="{FF2B5EF4-FFF2-40B4-BE49-F238E27FC236}">
-                <a16:creationId xmlns:a16="http://schemas.microsoft.com/office/drawing/2014/main" id="{8F1FC461-68E2-7232-43F3-66DBBB0C6340}"/>
+                <a16:creationId xmlns:a16="http://schemas.microsoft.com/office/drawing/2014/main" id="{5122E16F-5DAE-42AF-5E1F-D1CF063C41E3}"/>
               </a:ext>
             </a:extLst>
           </p:cNvPr>
@@ -6229,7 +6091,7 @@
           <p:cNvPr id="3" name="Espaço Reservado para Imagem 2">
             <a:extLst>
               <a:ext uri="{FF2B5EF4-FFF2-40B4-BE49-F238E27FC236}">
-                <a16:creationId xmlns:a16="http://schemas.microsoft.com/office/drawing/2014/main" id="{62C43522-7488-EED4-85B1-DCAB730FD2FB}"/>
+                <a16:creationId xmlns:a16="http://schemas.microsoft.com/office/drawing/2014/main" id="{E4A07927-B4A7-BF30-2B25-233B711F0417}"/>
               </a:ext>
             </a:extLst>
           </p:cNvPr>
@@ -6247,7 +6109,7 @@
           <p:cNvPr id="4" name="Espaço Reservado para Imagem 3">
             <a:extLst>
               <a:ext uri="{FF2B5EF4-FFF2-40B4-BE49-F238E27FC236}">
-                <a16:creationId xmlns:a16="http://schemas.microsoft.com/office/drawing/2014/main" id="{DBA91FCF-B6A9-B63B-9B68-A2A579D4A6F0}"/>
+                <a16:creationId xmlns:a16="http://schemas.microsoft.com/office/drawing/2014/main" id="{240ACFF8-2775-FA1F-54F8-358F45FF8491}"/>
               </a:ext>
             </a:extLst>
           </p:cNvPr>
@@ -6265,7 +6127,7 @@
           <p:cNvPr id="5" name="Espaço Reservado para Imagem 4">
             <a:extLst>
               <a:ext uri="{FF2B5EF4-FFF2-40B4-BE49-F238E27FC236}">
-                <a16:creationId xmlns:a16="http://schemas.microsoft.com/office/drawing/2014/main" id="{D8B420DB-B339-BA7C-0B69-14F0DA6C8E12}"/>
+                <a16:creationId xmlns:a16="http://schemas.microsoft.com/office/drawing/2014/main" id="{7D964215-34A1-0936-A9F5-0BE1775E2A53}"/>
               </a:ext>
             </a:extLst>
           </p:cNvPr>
@@ -6280,28 +6142,10 @@
       </p:sp>
       <p:sp>
         <p:nvSpPr>
-          <p:cNvPr id="6" name="Espaço Reservado para Imagem 5">
-            <a:extLst>
-              <a:ext uri="{FF2B5EF4-FFF2-40B4-BE49-F238E27FC236}">
-                <a16:creationId xmlns:a16="http://schemas.microsoft.com/office/drawing/2014/main" id="{0BB15D9E-6DFD-3BCB-5F65-92B35E989FC9}"/>
-              </a:ext>
-            </a:extLst>
-          </p:cNvPr>
-          <p:cNvSpPr>
-            <a:spLocks noGrp="1"/>
-          </p:cNvSpPr>
-          <p:nvPr>
-            <p:ph type="pic" sz="quarter" idx="14"/>
-          </p:nvPr>
-        </p:nvSpPr>
-        <p:spPr/>
-      </p:sp>
-      <p:sp>
-        <p:nvSpPr>
-          <p:cNvPr id="7" name="Espaço Reservado para Texto 6">
-            <a:extLst>
-              <a:ext uri="{FF2B5EF4-FFF2-40B4-BE49-F238E27FC236}">
-                <a16:creationId xmlns:a16="http://schemas.microsoft.com/office/drawing/2014/main" id="{E6CD5726-3E67-480D-EA56-EE166E13DFD7}"/>
+          <p:cNvPr id="6" name="Espaço Reservado para Texto 5">
+            <a:extLst>
+              <a:ext uri="{FF2B5EF4-FFF2-40B4-BE49-F238E27FC236}">
+                <a16:creationId xmlns:a16="http://schemas.microsoft.com/office/drawing/2014/main" id="{37CE883A-759A-E201-509C-2DC495DA1F13}"/>
               </a:ext>
             </a:extLst>
           </p:cNvPr>
@@ -6327,7 +6171,7 @@
     </p:spTree>
     <p:extLst>
       <p:ext uri="{BB962C8B-B14F-4D97-AF65-F5344CB8AC3E}">
-        <p14:creationId xmlns:p14="http://schemas.microsoft.com/office/powerpoint/2010/main" val="3626730712"/>
+        <p14:creationId xmlns:p14="http://schemas.microsoft.com/office/powerpoint/2010/main" val="2218357648"/>
       </p:ext>
     </p:extLst>
   </p:cSld>
@@ -6359,7 +6203,7 @@
           <p:cNvPr id="2" name="Espaço Reservado para Imagem 1">
             <a:extLst>
               <a:ext uri="{FF2B5EF4-FFF2-40B4-BE49-F238E27FC236}">
-                <a16:creationId xmlns:a16="http://schemas.microsoft.com/office/drawing/2014/main" id="{FB221EF9-7108-5ECF-C9B9-8939649D1D16}"/>
+                <a16:creationId xmlns:a16="http://schemas.microsoft.com/office/drawing/2014/main" id="{21CE5526-2992-3D7B-DB93-ADAB3DE3FF8E}"/>
               </a:ext>
             </a:extLst>
           </p:cNvPr>
@@ -6377,7 +6221,7 @@
           <p:cNvPr id="3" name="Espaço Reservado para Imagem 2">
             <a:extLst>
               <a:ext uri="{FF2B5EF4-FFF2-40B4-BE49-F238E27FC236}">
-                <a16:creationId xmlns:a16="http://schemas.microsoft.com/office/drawing/2014/main" id="{BBE3660E-2DC9-2A6E-36A3-5416EEAAFD1D}"/>
+                <a16:creationId xmlns:a16="http://schemas.microsoft.com/office/drawing/2014/main" id="{3AE19A7C-EB8B-53B1-FF8E-77CF65F5D12F}"/>
               </a:ext>
             </a:extLst>
           </p:cNvPr>
@@ -6395,7 +6239,7 @@
           <p:cNvPr id="4" name="Espaço Reservado para Imagem 3">
             <a:extLst>
               <a:ext uri="{FF2B5EF4-FFF2-40B4-BE49-F238E27FC236}">
-                <a16:creationId xmlns:a16="http://schemas.microsoft.com/office/drawing/2014/main" id="{8BA48A26-A6BB-3CD2-CB12-1D728C5E29D9}"/>
+                <a16:creationId xmlns:a16="http://schemas.microsoft.com/office/drawing/2014/main" id="{E44B8C19-8BD1-2CF3-3937-A52E772386BC}"/>
               </a:ext>
             </a:extLst>
           </p:cNvPr>
@@ -6413,7 +6257,7 @@
           <p:cNvPr id="5" name="Espaço Reservado para Imagem 4">
             <a:extLst>
               <a:ext uri="{FF2B5EF4-FFF2-40B4-BE49-F238E27FC236}">
-                <a16:creationId xmlns:a16="http://schemas.microsoft.com/office/drawing/2014/main" id="{CFA7D6D7-1E76-AF23-73B6-71DC2B681711}"/>
+                <a16:creationId xmlns:a16="http://schemas.microsoft.com/office/drawing/2014/main" id="{CD4695F5-0E35-3602-53B8-50F9A45A67B4}"/>
               </a:ext>
             </a:extLst>
           </p:cNvPr>
@@ -6428,28 +6272,10 @@
       </p:sp>
       <p:sp>
         <p:nvSpPr>
-          <p:cNvPr id="6" name="Espaço Reservado para Imagem 5">
-            <a:extLst>
-              <a:ext uri="{FF2B5EF4-FFF2-40B4-BE49-F238E27FC236}">
-                <a16:creationId xmlns:a16="http://schemas.microsoft.com/office/drawing/2014/main" id="{7AF3FCB0-1F63-9176-F4CE-7D517B454E0E}"/>
-              </a:ext>
-            </a:extLst>
-          </p:cNvPr>
-          <p:cNvSpPr>
-            <a:spLocks noGrp="1"/>
-          </p:cNvSpPr>
-          <p:nvPr>
-            <p:ph type="pic" sz="quarter" idx="14"/>
-          </p:nvPr>
-        </p:nvSpPr>
-        <p:spPr/>
-      </p:sp>
-      <p:sp>
-        <p:nvSpPr>
-          <p:cNvPr id="7" name="Espaço Reservado para Texto 6">
-            <a:extLst>
-              <a:ext uri="{FF2B5EF4-FFF2-40B4-BE49-F238E27FC236}">
-                <a16:creationId xmlns:a16="http://schemas.microsoft.com/office/drawing/2014/main" id="{36749E21-CACF-BB72-6ADE-8A9B268B2CC8}"/>
+          <p:cNvPr id="6" name="Espaço Reservado para Texto 5">
+            <a:extLst>
+              <a:ext uri="{FF2B5EF4-FFF2-40B4-BE49-F238E27FC236}">
+                <a16:creationId xmlns:a16="http://schemas.microsoft.com/office/drawing/2014/main" id="{9CC3AC2F-A415-DB84-6297-566131E4D26F}"/>
               </a:ext>
             </a:extLst>
           </p:cNvPr>
@@ -6475,7 +6301,7 @@
     </p:spTree>
     <p:extLst>
       <p:ext uri="{BB962C8B-B14F-4D97-AF65-F5344CB8AC3E}">
-        <p14:creationId xmlns:p14="http://schemas.microsoft.com/office/powerpoint/2010/main" val="289812970"/>
+        <p14:creationId xmlns:p14="http://schemas.microsoft.com/office/powerpoint/2010/main" val="1756886911"/>
       </p:ext>
     </p:extLst>
   </p:cSld>
@@ -6507,7 +6333,7 @@
           <p:cNvPr id="2" name="Espaço Reservado para Imagem 1">
             <a:extLst>
               <a:ext uri="{FF2B5EF4-FFF2-40B4-BE49-F238E27FC236}">
-                <a16:creationId xmlns:a16="http://schemas.microsoft.com/office/drawing/2014/main" id="{E3F6BD17-946C-EFD7-D5B1-D54A24AC28E5}"/>
+                <a16:creationId xmlns:a16="http://schemas.microsoft.com/office/drawing/2014/main" id="{FE0B2C5D-D1CA-B1D4-BC0E-257EE4916B6E}"/>
               </a:ext>
             </a:extLst>
           </p:cNvPr>
@@ -6525,7 +6351,7 @@
           <p:cNvPr id="3" name="Espaço Reservado para Imagem 2">
             <a:extLst>
               <a:ext uri="{FF2B5EF4-FFF2-40B4-BE49-F238E27FC236}">
-                <a16:creationId xmlns:a16="http://schemas.microsoft.com/office/drawing/2014/main" id="{968991F1-3717-37D9-9342-6FF4FCC60843}"/>
+                <a16:creationId xmlns:a16="http://schemas.microsoft.com/office/drawing/2014/main" id="{B98B6E33-D159-CAE8-0EAE-0E1C7089076E}"/>
               </a:ext>
             </a:extLst>
           </p:cNvPr>
@@ -6543,7 +6369,7 @@
           <p:cNvPr id="4" name="Espaço Reservado para Imagem 3">
             <a:extLst>
               <a:ext uri="{FF2B5EF4-FFF2-40B4-BE49-F238E27FC236}">
-                <a16:creationId xmlns:a16="http://schemas.microsoft.com/office/drawing/2014/main" id="{03F00288-600D-EA1F-EEF8-C9C15520A22E}"/>
+                <a16:creationId xmlns:a16="http://schemas.microsoft.com/office/drawing/2014/main" id="{43D1EEF5-C475-F3BA-A1DA-AA5EDF7DE1DC}"/>
               </a:ext>
             </a:extLst>
           </p:cNvPr>
@@ -6552,24 +6378,6 @@
           </p:cNvSpPr>
           <p:nvPr>
             <p:ph type="pic" sz="quarter" idx="12"/>
-          </p:nvPr>
-        </p:nvSpPr>
-        <p:spPr/>
-      </p:sp>
-      <p:sp>
-        <p:nvSpPr>
-          <p:cNvPr id="5" name="Espaço Reservado para Imagem 4">
-            <a:extLst>
-              <a:ext uri="{FF2B5EF4-FFF2-40B4-BE49-F238E27FC236}">
-                <a16:creationId xmlns:a16="http://schemas.microsoft.com/office/drawing/2014/main" id="{AE5433CF-3BD7-E2FA-FE3B-59E37C199AEE}"/>
-              </a:ext>
-            </a:extLst>
-          </p:cNvPr>
-          <p:cNvSpPr>
-            <a:spLocks noGrp="1"/>
-          </p:cNvSpPr>
-          <p:nvPr>
-            <p:ph type="pic" sz="quarter" idx="13"/>
           </p:nvPr>
         </p:nvSpPr>
         <p:spPr/>
@@ -6577,7 +6385,7 @@
     </p:spTree>
     <p:extLst>
       <p:ext uri="{BB962C8B-B14F-4D97-AF65-F5344CB8AC3E}">
-        <p14:creationId xmlns:p14="http://schemas.microsoft.com/office/powerpoint/2010/main" val="2969359680"/>
+        <p14:creationId xmlns:p14="http://schemas.microsoft.com/office/powerpoint/2010/main" val="3136016619"/>
       </p:ext>
     </p:extLst>
   </p:cSld>
